--- a/CoPPresentation_03_12_15_Final.pptx
+++ b/CoPPresentation_03_12_15_Final.pptx
@@ -6,7 +6,7 @@
     <p:sldMasterId id="2147483674" r:id="rId2"/>
   </p:sldMasterIdLst>
   <p:notesMasterIdLst>
-    <p:notesMasterId r:id="rId44"/>
+    <p:notesMasterId r:id="rId46"/>
   </p:notesMasterIdLst>
   <p:sldIdLst>
     <p:sldId id="260" r:id="rId3"/>
@@ -44,12 +44,14 @@
     <p:sldId id="295" r:id="rId35"/>
     <p:sldId id="280" r:id="rId36"/>
     <p:sldId id="314" r:id="rId37"/>
-    <p:sldId id="282" r:id="rId38"/>
-    <p:sldId id="285" r:id="rId39"/>
-    <p:sldId id="315" r:id="rId40"/>
-    <p:sldId id="268" r:id="rId41"/>
-    <p:sldId id="269" r:id="rId42"/>
-    <p:sldId id="270" r:id="rId43"/>
+    <p:sldId id="268" r:id="rId38"/>
+    <p:sldId id="282" r:id="rId39"/>
+    <p:sldId id="285" r:id="rId40"/>
+    <p:sldId id="317" r:id="rId41"/>
+    <p:sldId id="316" r:id="rId42"/>
+    <p:sldId id="315" r:id="rId43"/>
+    <p:sldId id="269" r:id="rId44"/>
+    <p:sldId id="270" r:id="rId45"/>
   </p:sldIdLst>
   <p:sldSz cx="9144000" cy="6858000" type="screen4x3"/>
   <p:notesSz cx="7010400" cy="9296400"/>
@@ -150,7 +152,7 @@
   </p:defaultTextStyle>
   <p:extLst>
     <p:ext uri="{EFAFB233-063F-42B5-8137-9DF3F51BA10A}">
-      <p15:sldGuideLst xmlns:p15="http://schemas.microsoft.com/office/powerpoint/2012/main" xmlns="">
+      <p15:sldGuideLst xmlns="" xmlns:p15="http://schemas.microsoft.com/office/powerpoint/2012/main">
         <p15:guide id="1" orient="horz" pos="2160">
           <p15:clr>
             <a:srgbClr val="A4A3A4"/>
@@ -11328,7 +11330,7 @@
           <a:p>
             <a:fld id="{2C62FD33-DEEE-41A5-8448-BCC6B1A7413F}" type="datetimeFigureOut">
               <a:rPr lang="en-US" smtClean="0"/>
-              <a:t>3/12/2015</a:t>
+              <a:t>4/22/15</a:t>
             </a:fld>
             <a:endParaRPr lang="en-US" dirty="0"/>
           </a:p>
@@ -14847,7 +14849,7 @@
           <a:p>
             <a:fld id="{94FE6B48-4C97-433B-A132-37D006EDD47F}" type="slidenum">
               <a:rPr lang="en-US" smtClean="0"/>
-              <a:t>36</a:t>
+              <a:t>37</a:t>
             </a:fld>
             <a:endParaRPr lang="en-US" dirty="0"/>
           </a:p>
@@ -15057,7 +15059,7 @@
           <a:p>
             <a:fld id="{94FE6B48-4C97-433B-A132-37D006EDD47F}" type="slidenum">
               <a:rPr lang="en-US" smtClean="0"/>
-              <a:t>37</a:t>
+              <a:t>38</a:t>
             </a:fld>
             <a:endParaRPr lang="en-US" dirty="0"/>
           </a:p>
@@ -15301,7 +15303,7 @@
           <a:p>
             <a:fld id="{94FE6B48-4C97-433B-A132-37D006EDD47F}" type="slidenum">
               <a:rPr lang="en-US" smtClean="0"/>
-              <a:t>38</a:t>
+              <a:t>41</a:t>
             </a:fld>
             <a:endParaRPr lang="en-US" dirty="0"/>
           </a:p>
@@ -16643,7 +16645,7 @@
   <p:timing>
     <p:tnLst>
       <p:par>
-        <p:cTn id="1" dur="indefinite" restart="never" nodeType="tmRoot"/>
+        <p:cTn xmlns:p14="http://schemas.microsoft.com/office/powerpoint/2010/main" id="1" dur="indefinite" restart="never" nodeType="tmRoot"/>
       </p:par>
     </p:tnLst>
   </p:timing>
@@ -17175,7 +17177,7 @@
   <p:timing>
     <p:tnLst>
       <p:par>
-        <p:cTn id="1" dur="indefinite" restart="never" nodeType="tmRoot"/>
+        <p:cTn xmlns:p14="http://schemas.microsoft.com/office/powerpoint/2010/main" id="1" dur="indefinite" restart="never" nodeType="tmRoot"/>
       </p:par>
     </p:tnLst>
   </p:timing>
@@ -17353,7 +17355,7 @@
   <p:timing>
     <p:tnLst>
       <p:par>
-        <p:cTn id="1" dur="indefinite" restart="never" nodeType="tmRoot"/>
+        <p:cTn xmlns:p14="http://schemas.microsoft.com/office/powerpoint/2010/main" id="1" dur="indefinite" restart="never" nodeType="tmRoot"/>
       </p:par>
     </p:tnLst>
   </p:timing>
@@ -17523,7 +17525,7 @@
   <p:timing>
     <p:tnLst>
       <p:par>
-        <p:cTn id="1" dur="indefinite" restart="never" nodeType="tmRoot"/>
+        <p:cTn xmlns:p14="http://schemas.microsoft.com/office/powerpoint/2010/main" id="1" dur="indefinite" restart="never" nodeType="tmRoot"/>
       </p:par>
     </p:tnLst>
   </p:timing>
@@ -18297,7 +18299,7 @@
   <p:timing>
     <p:tnLst>
       <p:par>
-        <p:cTn id="1" dur="indefinite" restart="never" nodeType="tmRoot"/>
+        <p:cTn xmlns:p14="http://schemas.microsoft.com/office/powerpoint/2010/main" id="1" dur="indefinite" restart="never" nodeType="tmRoot"/>
       </p:par>
     </p:tnLst>
   </p:timing>
@@ -18377,7 +18379,7 @@
   <p:timing>
     <p:tnLst>
       <p:par>
-        <p:cTn id="1" dur="indefinite" restart="never" nodeType="tmRoot"/>
+        <p:cTn xmlns:p14="http://schemas.microsoft.com/office/powerpoint/2010/main" id="1" dur="indefinite" restart="never" nodeType="tmRoot"/>
       </p:par>
     </p:tnLst>
   </p:timing>
@@ -18443,14 +18445,14 @@
             <a:noFill/>
           </a:ln>
           <a:extLst>
-            <a:ext uri="{909E8E84-426E-40DD-AFC4-6F175D3DCCD1}">
+            <a:ext uri="{909E8E84-426E-40dd-AFC4-6F175D3DCCD1}">
               <a14:hiddenFill xmlns:a14="http://schemas.microsoft.com/office/drawing/2010/main">
                 <a:solidFill>
                   <a:srgbClr val="FFFFFF"/>
                 </a:solidFill>
               </a14:hiddenFill>
             </a:ext>
-            <a:ext uri="{91240B29-F687-4F45-9708-019B960494DF}">
+            <a:ext uri="{91240B29-F687-4f45-9708-019B960494DF}">
               <a14:hiddenLine xmlns:a14="http://schemas.microsoft.com/office/drawing/2010/main" w="9525">
                 <a:solidFill>
                   <a:srgbClr val="000000"/>
@@ -18487,14 +18489,14 @@
           </a:ln>
           <a:effectLst/>
           <a:extLst>
-            <a:ext uri="{909E8E84-426E-40DD-AFC4-6F175D3DCCD1}">
+            <a:ext uri="{909E8E84-426E-40dd-AFC4-6F175D3DCCD1}">
               <a14:hiddenFill xmlns:a14="http://schemas.microsoft.com/office/drawing/2010/main">
                 <a:solidFill>
                   <a:schemeClr val="accent1"/>
                 </a:solidFill>
               </a14:hiddenFill>
             </a:ext>
-            <a:ext uri="{91240B29-F687-4F45-9708-019B960494DF}">
+            <a:ext uri="{91240B29-F687-4f45-9708-019B960494DF}">
               <a14:hiddenLine xmlns:a14="http://schemas.microsoft.com/office/drawing/2010/main" w="9525">
                 <a:solidFill>
                   <a:schemeClr val="tx1"/>
@@ -18504,7 +18506,7 @@
                 <a:tailEnd/>
               </a14:hiddenLine>
             </a:ext>
-            <a:ext uri="{AF507438-7753-43E0-B8FC-AC1667EBCBE1}">
+            <a:ext uri="{AF507438-7753-43e0-B8FC-AC1667EBCBE1}">
               <a14:hiddenEffects xmlns:a14="http://schemas.microsoft.com/office/drawing/2010/main">
                 <a:effectLst>
                   <a:outerShdw dist="35921" dir="2700000" algn="ctr" rotWithShape="0">
@@ -18555,14 +18557,14 @@
           </a:ln>
           <a:effectLst/>
           <a:extLst>
-            <a:ext uri="{909E8E84-426E-40DD-AFC4-6F175D3DCCD1}">
+            <a:ext uri="{909E8E84-426E-40dd-AFC4-6F175D3DCCD1}">
               <a14:hiddenFill xmlns:a14="http://schemas.microsoft.com/office/drawing/2010/main">
                 <a:solidFill>
                   <a:schemeClr val="accent1"/>
                 </a:solidFill>
               </a14:hiddenFill>
             </a:ext>
-            <a:ext uri="{91240B29-F687-4F45-9708-019B960494DF}">
+            <a:ext uri="{91240B29-F687-4f45-9708-019B960494DF}">
               <a14:hiddenLine xmlns:a14="http://schemas.microsoft.com/office/drawing/2010/main" w="9525">
                 <a:solidFill>
                   <a:schemeClr val="tx1"/>
@@ -18572,7 +18574,7 @@
                 <a:tailEnd/>
               </a14:hiddenLine>
             </a:ext>
-            <a:ext uri="{AF507438-7753-43E0-B8FC-AC1667EBCBE1}">
+            <a:ext uri="{AF507438-7753-43e0-B8FC-AC1667EBCBE1}">
               <a14:hiddenEffects xmlns:a14="http://schemas.microsoft.com/office/drawing/2010/main">
                 <a:effectLst>
                   <a:outerShdw dist="35921" dir="2700000" algn="ctr" rotWithShape="0">
@@ -18615,7 +18617,7 @@
   <p:timing>
     <p:tnLst>
       <p:par>
-        <p:cTn id="1" dur="indefinite" restart="never" nodeType="tmRoot"/>
+        <p:cTn xmlns:p14="http://schemas.microsoft.com/office/powerpoint/2010/main" id="1" dur="indefinite" restart="never" nodeType="tmRoot"/>
       </p:par>
     </p:tnLst>
   </p:timing>
@@ -19039,14 +19041,14 @@
             <a:noFill/>
           </a:ln>
           <a:extLst>
-            <a:ext uri="{909E8E84-426E-40DD-AFC4-6F175D3DCCD1}">
+            <a:ext uri="{909E8E84-426E-40dd-AFC4-6F175D3DCCD1}">
               <a14:hiddenFill xmlns:a14="http://schemas.microsoft.com/office/drawing/2010/main">
                 <a:solidFill>
                   <a:srgbClr val="FFFFFF"/>
                 </a:solidFill>
               </a14:hiddenFill>
             </a:ext>
-            <a:ext uri="{91240B29-F687-4F45-9708-019B960494DF}">
+            <a:ext uri="{91240B29-F687-4f45-9708-019B960494DF}">
               <a14:hiddenLine xmlns:a14="http://schemas.microsoft.com/office/drawing/2010/main" w="9525">
                 <a:solidFill>
                   <a:srgbClr val="000000"/>
@@ -19083,7 +19085,7 @@
           </a:ln>
           <a:effectLst/>
           <a:extLst>
-            <a:ext uri="{91240B29-F687-4F45-9708-019B960494DF}">
+            <a:ext uri="{91240B29-F687-4f45-9708-019B960494DF}">
               <a14:hiddenLine xmlns:a14="http://schemas.microsoft.com/office/drawing/2010/main" w="9525">
                 <a:solidFill>
                   <a:schemeClr val="tx1"/>
@@ -19093,7 +19095,7 @@
                 <a:tailEnd/>
               </a14:hiddenLine>
             </a:ext>
-            <a:ext uri="{AF507438-7753-43E0-B8FC-AC1667EBCBE1}">
+            <a:ext uri="{AF507438-7753-43e0-B8FC-AC1667EBCBE1}">
               <a14:hiddenEffects xmlns:a14="http://schemas.microsoft.com/office/drawing/2010/main">
                 <a:effectLst>
                   <a:outerShdw dist="35921" dir="2700000" algn="ctr" rotWithShape="0">
@@ -19148,14 +19150,14 @@
           </a:ln>
           <a:effectLst/>
           <a:extLst>
-            <a:ext uri="{909E8E84-426E-40DD-AFC4-6F175D3DCCD1}">
+            <a:ext uri="{909E8E84-426E-40dd-AFC4-6F175D3DCCD1}">
               <a14:hiddenFill xmlns:a14="http://schemas.microsoft.com/office/drawing/2010/main">
                 <a:solidFill>
                   <a:schemeClr val="accent1"/>
                 </a:solidFill>
               </a14:hiddenFill>
             </a:ext>
-            <a:ext uri="{91240B29-F687-4F45-9708-019B960494DF}">
+            <a:ext uri="{91240B29-F687-4f45-9708-019B960494DF}">
               <a14:hiddenLine xmlns:a14="http://schemas.microsoft.com/office/drawing/2010/main" w="9525">
                 <a:solidFill>
                   <a:schemeClr val="tx1"/>
@@ -19165,7 +19167,7 @@
                 <a:tailEnd/>
               </a14:hiddenLine>
             </a:ext>
-            <a:ext uri="{AF507438-7753-43E0-B8FC-AC1667EBCBE1}">
+            <a:ext uri="{AF507438-7753-43e0-B8FC-AC1667EBCBE1}">
               <a14:hiddenEffects xmlns:a14="http://schemas.microsoft.com/office/drawing/2010/main">
                 <a:effectLst>
                   <a:outerShdw dist="35921" dir="2700000" algn="ctr" rotWithShape="0">
@@ -19260,7 +19262,7 @@
             </a:ln>
             <a:effectLst/>
             <a:extLst>
-              <a:ext uri="{91240B29-F687-4F45-9708-019B960494DF}">
+              <a:ext uri="{91240B29-F687-4f45-9708-019B960494DF}">
                 <a14:hiddenLine xmlns:a14="http://schemas.microsoft.com/office/drawing/2010/main" w="9525">
                   <a:solidFill>
                     <a:schemeClr val="tx1"/>
@@ -19270,7 +19272,7 @@
                   <a:tailEnd/>
                 </a14:hiddenLine>
               </a:ext>
-              <a:ext uri="{AF507438-7753-43E0-B8FC-AC1667EBCBE1}">
+              <a:ext uri="{AF507438-7753-43e0-B8FC-AC1667EBCBE1}">
                 <a14:hiddenEffects xmlns:a14="http://schemas.microsoft.com/office/drawing/2010/main">
                   <a:effectLst>
                     <a:outerShdw dist="35921" dir="2700000" algn="ctr" rotWithShape="0">
@@ -19335,14 +19337,14 @@
               <a:noFill/>
             </a:ln>
             <a:extLst>
-              <a:ext uri="{909E8E84-426E-40DD-AFC4-6F175D3DCCD1}">
+              <a:ext uri="{909E8E84-426E-40dd-AFC4-6F175D3DCCD1}">
                 <a14:hiddenFill xmlns:a14="http://schemas.microsoft.com/office/drawing/2010/main">
                   <a:solidFill>
                     <a:srgbClr val="FFFFFF"/>
                   </a:solidFill>
                 </a14:hiddenFill>
               </a:ext>
-              <a:ext uri="{91240B29-F687-4F45-9708-019B960494DF}">
+              <a:ext uri="{91240B29-F687-4f45-9708-019B960494DF}">
                 <a14:hiddenLine xmlns:a14="http://schemas.microsoft.com/office/drawing/2010/main" w="9525">
                   <a:solidFill>
                     <a:srgbClr val="000000"/>
@@ -19380,14 +19382,14 @@
           </a:ln>
           <a:effectLst/>
           <a:extLst>
-            <a:ext uri="{909E8E84-426E-40DD-AFC4-6F175D3DCCD1}">
+            <a:ext uri="{909E8E84-426E-40dd-AFC4-6F175D3DCCD1}">
               <a14:hiddenFill xmlns:a14="http://schemas.microsoft.com/office/drawing/2010/main">
                 <a:solidFill>
                   <a:schemeClr val="accent1"/>
                 </a:solidFill>
               </a14:hiddenFill>
             </a:ext>
-            <a:ext uri="{91240B29-F687-4F45-9708-019B960494DF}">
+            <a:ext uri="{91240B29-F687-4f45-9708-019B960494DF}">
               <a14:hiddenLine xmlns:a14="http://schemas.microsoft.com/office/drawing/2010/main" w="9525">
                 <a:solidFill>
                   <a:schemeClr val="tx1"/>
@@ -19397,7 +19399,7 @@
                 <a:tailEnd/>
               </a14:hiddenLine>
             </a:ext>
-            <a:ext uri="{AF507438-7753-43E0-B8FC-AC1667EBCBE1}">
+            <a:ext uri="{AF507438-7753-43e0-B8FC-AC1667EBCBE1}">
               <a14:hiddenEffects xmlns:a14="http://schemas.microsoft.com/office/drawing/2010/main">
                 <a:effectLst>
                   <a:outerShdw dist="35921" dir="2700000" algn="ctr" rotWithShape="0">
@@ -19482,14 +19484,14 @@
           </a:ln>
           <a:effectLst/>
           <a:extLst>
-            <a:ext uri="{909E8E84-426E-40DD-AFC4-6F175D3DCCD1}">
+            <a:ext uri="{909E8E84-426E-40dd-AFC4-6F175D3DCCD1}">
               <a14:hiddenFill xmlns:a14="http://schemas.microsoft.com/office/drawing/2010/main">
                 <a:solidFill>
                   <a:schemeClr val="accent1"/>
                 </a:solidFill>
               </a14:hiddenFill>
             </a:ext>
-            <a:ext uri="{91240B29-F687-4F45-9708-019B960494DF}">
+            <a:ext uri="{91240B29-F687-4f45-9708-019B960494DF}">
               <a14:hiddenLine xmlns:a14="http://schemas.microsoft.com/office/drawing/2010/main" w="9525" algn="ctr">
                 <a:solidFill>
                   <a:schemeClr val="tx1"/>
@@ -19499,7 +19501,7 @@
                 <a:tailEnd/>
               </a14:hiddenLine>
             </a:ext>
-            <a:ext uri="{AF507438-7753-43E0-B8FC-AC1667EBCBE1}">
+            <a:ext uri="{AF507438-7753-43e0-B8FC-AC1667EBCBE1}">
               <a14:hiddenEffects xmlns:a14="http://schemas.microsoft.com/office/drawing/2010/main">
                 <a:effectLst>
                   <a:outerShdw dist="35921" dir="2700000" algn="ctr" rotWithShape="0">
@@ -19548,7 +19550,7 @@
   <p:timing>
     <p:tnLst>
       <p:par>
-        <p:cTn id="1" dur="indefinite" restart="never" nodeType="tmRoot"/>
+        <p:cTn xmlns:p14="http://schemas.microsoft.com/office/powerpoint/2010/main" id="1" dur="indefinite" restart="never" nodeType="tmRoot"/>
       </p:par>
     </p:tnLst>
   </p:timing>
@@ -20120,7 +20122,7 @@
   <p:timing>
     <p:tnLst>
       <p:par>
-        <p:cTn id="1" dur="indefinite" restart="never" nodeType="tmRoot"/>
+        <p:cTn xmlns:p14="http://schemas.microsoft.com/office/powerpoint/2010/main" id="1" dur="indefinite" restart="never" nodeType="tmRoot"/>
       </p:par>
     </p:tnLst>
   </p:timing>
@@ -20264,7 +20266,7 @@
   <p:timing>
     <p:tnLst>
       <p:par>
-        <p:cTn id="1" dur="indefinite" restart="never" nodeType="tmRoot"/>
+        <p:cTn xmlns:p14="http://schemas.microsoft.com/office/powerpoint/2010/main" id="1" dur="indefinite" restart="never" nodeType="tmRoot"/>
       </p:par>
     </p:tnLst>
   </p:timing>
@@ -20592,7 +20594,7 @@
   <p:timing>
     <p:tnLst>
       <p:par>
-        <p:cTn id="1" dur="indefinite" restart="never" nodeType="tmRoot"/>
+        <p:cTn xmlns:p14="http://schemas.microsoft.com/office/powerpoint/2010/main" id="1" dur="indefinite" restart="never" nodeType="tmRoot"/>
       </p:par>
     </p:tnLst>
   </p:timing>
@@ -20731,7 +20733,7 @@
   <p:timing>
     <p:tnLst>
       <p:par>
-        <p:cTn id="1" dur="indefinite" restart="never" nodeType="tmRoot"/>
+        <p:cTn xmlns:p14="http://schemas.microsoft.com/office/powerpoint/2010/main" id="1" dur="indefinite" restart="never" nodeType="tmRoot"/>
       </p:par>
     </p:tnLst>
   </p:timing>
@@ -20858,7 +20860,7 @@
   <p:timing>
     <p:tnLst>
       <p:par>
-        <p:cTn id="1" dur="indefinite" restart="never" nodeType="tmRoot"/>
+        <p:cTn xmlns:p14="http://schemas.microsoft.com/office/powerpoint/2010/main" id="1" dur="indefinite" restart="never" nodeType="tmRoot"/>
       </p:par>
     </p:tnLst>
   </p:timing>
@@ -20922,15 +20924,7 @@
           <a:p>
             <a:r>
               <a:rPr lang="en-US" sz="2800" dirty="0" smtClean="0"/>
-              <a:t>Never check in </a:t>
-            </a:r>
-            <a:r>
-              <a:rPr lang="en-US" sz="2800" dirty="0" smtClean="0"/>
-              <a:t>a </a:t>
-            </a:r>
-            <a:r>
-              <a:rPr lang="en-US" sz="2800" dirty="0" smtClean="0"/>
-              <a:t>broken build!!</a:t>
+              <a:t>Never check in a broken build!!</a:t>
             </a:r>
           </a:p>
           <a:p>
@@ -21052,7 +21046,7 @@
   <p:timing>
     <p:tnLst>
       <p:par>
-        <p:cTn id="1" dur="indefinite" restart="never" nodeType="tmRoot"/>
+        <p:cTn xmlns:p14="http://schemas.microsoft.com/office/powerpoint/2010/main" id="1" dur="indefinite" restart="never" nodeType="tmRoot"/>
       </p:par>
     </p:tnLst>
   </p:timing>
@@ -21197,7 +21191,7 @@
   <p:timing>
     <p:tnLst>
       <p:par>
-        <p:cTn id="1" dur="indefinite" restart="never" nodeType="tmRoot"/>
+        <p:cTn xmlns:p14="http://schemas.microsoft.com/office/powerpoint/2010/main" id="1" dur="indefinite" restart="never" nodeType="tmRoot"/>
       </p:par>
     </p:tnLst>
   </p:timing>
@@ -21674,7 +21668,7 @@
   <p:timing>
     <p:tnLst>
       <p:par>
-        <p:cTn id="1" dur="indefinite" restart="never" nodeType="tmRoot"/>
+        <p:cTn xmlns:p14="http://schemas.microsoft.com/office/powerpoint/2010/main" id="1" dur="indefinite" restart="never" nodeType="tmRoot"/>
       </p:par>
     </p:tnLst>
   </p:timing>
@@ -21845,7 +21839,7 @@
   <p:timing>
     <p:tnLst>
       <p:par>
-        <p:cTn id="1" dur="indefinite" restart="never" nodeType="tmRoot"/>
+        <p:cTn xmlns:p14="http://schemas.microsoft.com/office/powerpoint/2010/main" id="1" dur="indefinite" restart="never" nodeType="tmRoot"/>
       </p:par>
     </p:tnLst>
   </p:timing>
@@ -22040,7 +22034,7 @@
   <p:timing>
     <p:tnLst>
       <p:par>
-        <p:cTn id="1" dur="indefinite" restart="never" nodeType="tmRoot"/>
+        <p:cTn xmlns:p14="http://schemas.microsoft.com/office/powerpoint/2010/main" id="1" dur="indefinite" restart="never" nodeType="tmRoot"/>
       </p:par>
     </p:tnLst>
   </p:timing>
@@ -22167,7 +22161,7 @@
   <p:timing>
     <p:tnLst>
       <p:par>
-        <p:cTn id="1" dur="indefinite" restart="never" nodeType="tmRoot"/>
+        <p:cTn xmlns:p14="http://schemas.microsoft.com/office/powerpoint/2010/main" id="1" dur="indefinite" restart="never" nodeType="tmRoot"/>
       </p:par>
     </p:tnLst>
   </p:timing>
@@ -22294,7 +22288,7 @@
   <p:timing>
     <p:tnLst>
       <p:par>
-        <p:cTn id="1" dur="indefinite" restart="never" nodeType="tmRoot"/>
+        <p:cTn xmlns:p14="http://schemas.microsoft.com/office/powerpoint/2010/main" id="1" dur="indefinite" restart="never" nodeType="tmRoot"/>
       </p:par>
     </p:tnLst>
   </p:timing>
@@ -22463,7 +22457,7 @@
   <p:timing>
     <p:tnLst>
       <p:par>
-        <p:cTn id="1" dur="indefinite" restart="never" nodeType="tmRoot"/>
+        <p:cTn xmlns:p14="http://schemas.microsoft.com/office/powerpoint/2010/main" id="1" dur="indefinite" restart="never" nodeType="tmRoot"/>
       </p:par>
     </p:tnLst>
   </p:timing>
@@ -22584,7 +22578,7 @@
   <p:timing>
     <p:tnLst>
       <p:par>
-        <p:cTn id="1" dur="indefinite" restart="never" nodeType="tmRoot"/>
+        <p:cTn xmlns:p14="http://schemas.microsoft.com/office/powerpoint/2010/main" id="1" dur="indefinite" restart="never" nodeType="tmRoot"/>
       </p:par>
     </p:tnLst>
   </p:timing>
@@ -22770,7 +22764,7 @@
   <p:timing>
     <p:tnLst>
       <p:par>
-        <p:cTn id="1" dur="indefinite" restart="never" nodeType="tmRoot"/>
+        <p:cTn xmlns:p14="http://schemas.microsoft.com/office/powerpoint/2010/main" id="1" dur="indefinite" restart="never" nodeType="tmRoot"/>
       </p:par>
     </p:tnLst>
   </p:timing>
@@ -22891,7 +22885,7 @@
   <p:timing>
     <p:tnLst>
       <p:par>
-        <p:cTn id="1" dur="indefinite" restart="never" nodeType="tmRoot"/>
+        <p:cTn xmlns:p14="http://schemas.microsoft.com/office/powerpoint/2010/main" id="1" dur="indefinite" restart="never" nodeType="tmRoot"/>
       </p:par>
     </p:tnLst>
   </p:timing>
@@ -23702,7 +23696,7 @@
   <p:timing>
     <p:tnLst>
       <p:par>
-        <p:cTn id="1" dur="indefinite" restart="never" nodeType="tmRoot"/>
+        <p:cTn xmlns:p14="http://schemas.microsoft.com/office/powerpoint/2010/main" id="1" dur="indefinite" restart="never" nodeType="tmRoot"/>
       </p:par>
     </p:tnLst>
   </p:timing>
@@ -23984,14 +23978,14 @@
             <a:noFill/>
           </a:ln>
           <a:extLst>
-            <a:ext uri="{909E8E84-426E-40DD-AFC4-6F175D3DCCD1}">
+            <a:ext uri="{909E8E84-426E-40dd-AFC4-6F175D3DCCD1}">
               <a14:hiddenFill xmlns:a14="http://schemas.microsoft.com/office/drawing/2010/main">
                 <a:solidFill>
                   <a:srgbClr val="FFFFFF"/>
                 </a:solidFill>
               </a14:hiddenFill>
             </a:ext>
-            <a:ext uri="{91240B29-F687-4F45-9708-019B960494DF}">
+            <a:ext uri="{91240B29-F687-4f45-9708-019B960494DF}">
               <a14:hiddenLine xmlns:a14="http://schemas.microsoft.com/office/drawing/2010/main" w="12700" cap="flat">
                 <a:solidFill>
                   <a:schemeClr val="tx1"/>
@@ -24017,7 +24011,7 @@
   <p:timing>
     <p:tnLst>
       <p:par>
-        <p:cTn id="1" dur="indefinite" restart="never" nodeType="tmRoot"/>
+        <p:cTn xmlns:p14="http://schemas.microsoft.com/office/powerpoint/2010/main" id="1" dur="indefinite" restart="never" nodeType="tmRoot"/>
       </p:par>
     </p:tnLst>
   </p:timing>
@@ -24143,7 +24137,7 @@
   <p:timing>
     <p:tnLst>
       <p:par>
-        <p:cTn id="1" dur="indefinite" restart="never" nodeType="tmRoot"/>
+        <p:cTn xmlns:p14="http://schemas.microsoft.com/office/powerpoint/2010/main" id="1" dur="indefinite" restart="never" nodeType="tmRoot"/>
       </p:par>
     </p:tnLst>
   </p:timing>
@@ -24320,7 +24314,7 @@
   <p:timing>
     <p:tnLst>
       <p:par>
-        <p:cTn id="1" dur="indefinite" restart="never" nodeType="tmRoot"/>
+        <p:cTn xmlns:p14="http://schemas.microsoft.com/office/powerpoint/2010/main" id="1" dur="indefinite" restart="never" nodeType="tmRoot"/>
       </p:par>
     </p:tnLst>
   </p:timing>
@@ -24449,7 +24443,7 @@
   <p:timing>
     <p:tnLst>
       <p:par>
-        <p:cTn id="1" dur="indefinite" restart="never" nodeType="tmRoot"/>
+        <p:cTn xmlns:p14="http://schemas.microsoft.com/office/powerpoint/2010/main" id="1" dur="indefinite" restart="never" nodeType="tmRoot"/>
       </p:par>
     </p:tnLst>
   </p:timing>
@@ -24647,7 +24641,7 @@
   <p:timing>
     <p:tnLst>
       <p:par>
-        <p:cTn id="1" dur="indefinite" restart="never" nodeType="tmRoot"/>
+        <p:cTn xmlns:p14="http://schemas.microsoft.com/office/powerpoint/2010/main" id="1" dur="indefinite" restart="never" nodeType="tmRoot"/>
       </p:par>
     </p:tnLst>
   </p:timing>
@@ -25066,7 +25060,7 @@
   <p:timing>
     <p:tnLst>
       <p:par>
-        <p:cTn id="1" dur="indefinite" restart="never" nodeType="tmRoot"/>
+        <p:cTn xmlns:p14="http://schemas.microsoft.com/office/powerpoint/2010/main" id="1" dur="indefinite" restart="never" nodeType="tmRoot"/>
       </p:par>
     </p:tnLst>
   </p:timing>
@@ -25259,7 +25253,7 @@
   <p:timing>
     <p:tnLst>
       <p:par>
-        <p:cTn id="1" dur="indefinite" restart="never" nodeType="tmRoot"/>
+        <p:cTn xmlns:p14="http://schemas.microsoft.com/office/powerpoint/2010/main" id="1" dur="indefinite" restart="never" nodeType="tmRoot"/>
       </p:par>
     </p:tnLst>
   </p:timing>
@@ -25492,7 +25486,7 @@
   <p:timing>
     <p:tnLst>
       <p:par>
-        <p:cTn id="1" dur="indefinite" restart="never" nodeType="tmRoot"/>
+        <p:cTn xmlns:p14="http://schemas.microsoft.com/office/powerpoint/2010/main" id="1" dur="indefinite" restart="never" nodeType="tmRoot"/>
       </p:par>
     </p:tnLst>
   </p:timing>
@@ -25635,7 +25629,7 @@
   <p:timing>
     <p:tnLst>
       <p:par>
-        <p:cTn id="1" dur="indefinite" restart="never" nodeType="tmRoot"/>
+        <p:cTn xmlns:p14="http://schemas.microsoft.com/office/powerpoint/2010/main" id="1" dur="indefinite" restart="never" nodeType="tmRoot"/>
       </p:par>
     </p:tnLst>
   </p:timing>
@@ -25758,18 +25752,18 @@
   <p:clrMapOvr>
     <a:masterClrMapping/>
   </p:clrMapOvr>
-  <mc:AlternateContent xmlns:mc="http://schemas.openxmlformats.org/markup-compatibility/2006" xmlns:p14="http://schemas.microsoft.com/office/powerpoint/2010/main">
-    <mc:Choice Requires="p14">
+  <mc:AlternateContent xmlns:mc="http://schemas.openxmlformats.org/markup-compatibility/2006">
+    <mc:Choice xmlns:p14="http://schemas.microsoft.com/office/powerpoint/2010/main" Requires="p14">
       <p:transition spd="slow" p14:dur="2000"/>
     </mc:Choice>
-    <mc:Fallback xmlns="">
+    <mc:Fallback>
       <p:transition xmlns:p14="http://schemas.microsoft.com/office/powerpoint/2010/main" spd="slow"/>
     </mc:Fallback>
   </mc:AlternateContent>
   <p:timing>
     <p:tnLst>
       <p:par>
-        <p:cTn id="1" dur="indefinite" restart="never" nodeType="tmRoot"/>
+        <p:cTn xmlns:p14="http://schemas.microsoft.com/office/powerpoint/2010/main" id="1" dur="indefinite" restart="never" nodeType="tmRoot"/>
       </p:par>
     </p:tnLst>
   </p:timing>
@@ -25932,7 +25926,7 @@
   <p:timing>
     <p:tnLst>
       <p:par>
-        <p:cTn id="1" dur="indefinite" restart="never" nodeType="tmRoot"/>
+        <p:cTn xmlns:p14="http://schemas.microsoft.com/office/powerpoint/2010/main" id="1" dur="indefinite" restart="never" nodeType="tmRoot"/>
       </p:par>
     </p:tnLst>
   </p:timing>
@@ -26064,7 +26058,7 @@
   <p:timing>
     <p:tnLst>
       <p:par>
-        <p:cTn id="1" dur="indefinite" restart="never" nodeType="tmRoot"/>
+        <p:cTn xmlns:p14="http://schemas.microsoft.com/office/powerpoint/2010/main" id="1" dur="indefinite" restart="never" nodeType="tmRoot"/>
       </p:par>
     </p:tnLst>
   </p:timing>
@@ -26072,6 +26066,162 @@
 </file>
 
 <file path=ppt/slides/slide36.xml><?xml version="1.0" encoding="utf-8"?>
+<p:sld xmlns:a="http://schemas.openxmlformats.org/drawingml/2006/main" xmlns:r="http://schemas.openxmlformats.org/officeDocument/2006/relationships" xmlns:p="http://schemas.openxmlformats.org/presentationml/2006/main">
+  <p:cSld>
+    <p:spTree>
+      <p:nvGrpSpPr>
+        <p:cNvPr id="1" name=""/>
+        <p:cNvGrpSpPr/>
+        <p:nvPr/>
+      </p:nvGrpSpPr>
+      <p:grpSpPr>
+        <a:xfrm>
+          <a:off x="0" y="0"/>
+          <a:ext cx="0" cy="0"/>
+          <a:chOff x="0" y="0"/>
+          <a:chExt cx="0" cy="0"/>
+        </a:xfrm>
+      </p:grpSpPr>
+      <p:sp>
+        <p:nvSpPr>
+          <p:cNvPr id="6" name="Title 5"/>
+          <p:cNvSpPr>
+            <a:spLocks noGrp="1"/>
+          </p:cNvSpPr>
+          <p:nvPr>
+            <p:ph type="title"/>
+          </p:nvPr>
+        </p:nvSpPr>
+        <p:spPr/>
+        <p:txBody>
+          <a:bodyPr/>
+          <a:lstStyle/>
+          <a:p>
+            <a:r>
+              <a:rPr lang="en-US" dirty="0" smtClean="0"/>
+              <a:t>CI/CD Summary</a:t>
+            </a:r>
+            <a:endParaRPr lang="en-US" dirty="0"/>
+          </a:p>
+        </p:txBody>
+      </p:sp>
+      <p:sp>
+        <p:nvSpPr>
+          <p:cNvPr id="7" name="Content Placeholder 6"/>
+          <p:cNvSpPr>
+            <a:spLocks noGrp="1"/>
+          </p:cNvSpPr>
+          <p:nvPr>
+            <p:ph idx="1"/>
+          </p:nvPr>
+        </p:nvSpPr>
+        <p:spPr/>
+        <p:txBody>
+          <a:bodyPr/>
+          <a:lstStyle/>
+          <a:p>
+            <a:r>
+              <a:rPr lang="en-US" dirty="0" smtClean="0"/>
+              <a:t>Use version control</a:t>
+            </a:r>
+          </a:p>
+          <a:p>
+            <a:r>
+              <a:rPr lang="en-US" dirty="0" smtClean="0"/>
+              <a:t>Automate testing as part of the build</a:t>
+            </a:r>
+          </a:p>
+          <a:p>
+            <a:r>
+              <a:rPr lang="en-US" dirty="0" smtClean="0"/>
+              <a:t>Automate deployment to staging, test or production</a:t>
+            </a:r>
+          </a:p>
+          <a:p>
+            <a:r>
+              <a:rPr lang="en-US" dirty="0" smtClean="0"/>
+              <a:t>Automate rollback</a:t>
+            </a:r>
+          </a:p>
+          <a:p>
+            <a:r>
+              <a:rPr lang="en-US" dirty="0" smtClean="0"/>
+              <a:t>Deploy continuously to production</a:t>
+            </a:r>
+          </a:p>
+          <a:p>
+            <a:r>
+              <a:rPr lang="en-US" dirty="0" smtClean="0"/>
+              <a:t>Incremental new features initially enabled for small set of users, then turned on for a wider audience</a:t>
+            </a:r>
+          </a:p>
+          <a:p>
+            <a:r>
+              <a:rPr lang="en-US" dirty="0" smtClean="0"/>
+              <a:t>Let us help you with your CI/CD implementation!</a:t>
+            </a:r>
+          </a:p>
+          <a:p>
+            <a:endParaRPr lang="en-US" dirty="0" smtClean="0"/>
+          </a:p>
+          <a:p>
+            <a:pPr lvl="1"/>
+            <a:endParaRPr lang="en-US" dirty="0" smtClean="0"/>
+          </a:p>
+          <a:p>
+            <a:pPr lvl="1"/>
+            <a:endParaRPr lang="en-US" dirty="0" smtClean="0"/>
+          </a:p>
+          <a:p>
+            <a:endParaRPr lang="en-US" dirty="0"/>
+          </a:p>
+        </p:txBody>
+      </p:sp>
+      <p:sp>
+        <p:nvSpPr>
+          <p:cNvPr id="5" name="Slide Number Placeholder 4"/>
+          <p:cNvSpPr>
+            <a:spLocks noGrp="1"/>
+          </p:cNvSpPr>
+          <p:nvPr>
+            <p:ph type="sldNum" sz="quarter" idx="10"/>
+          </p:nvPr>
+        </p:nvSpPr>
+        <p:spPr/>
+        <p:txBody>
+          <a:bodyPr/>
+          <a:lstStyle/>
+          <a:p>
+            <a:fld id="{814667DD-A432-455A-B321-E79691502DFA}" type="slidenum">
+              <a:rPr lang="en-US" smtClean="0"/>
+              <a:pPr/>
+              <a:t>36</a:t>
+            </a:fld>
+            <a:endParaRPr lang="en-US" dirty="0"/>
+          </a:p>
+        </p:txBody>
+      </p:sp>
+    </p:spTree>
+    <p:extLst>
+      <p:ext uri="{BB962C8B-B14F-4D97-AF65-F5344CB8AC3E}">
+        <p14:creationId xmlns:p14="http://schemas.microsoft.com/office/powerpoint/2010/main" val="2791572616"/>
+      </p:ext>
+    </p:extLst>
+  </p:cSld>
+  <p:clrMapOvr>
+    <a:masterClrMapping/>
+  </p:clrMapOvr>
+  <p:timing>
+    <p:tnLst>
+      <p:par>
+        <p:cTn xmlns:p14="http://schemas.microsoft.com/office/powerpoint/2010/main" id="1" dur="indefinite" restart="never" nodeType="tmRoot"/>
+      </p:par>
+    </p:tnLst>
+  </p:timing>
+</p:sld>
+</file>
+
+<file path=ppt/slides/slide37.xml><?xml version="1.0" encoding="utf-8"?>
 <p:sld xmlns:a="http://schemas.openxmlformats.org/drawingml/2006/main" xmlns:r="http://schemas.openxmlformats.org/officeDocument/2006/relationships" xmlns:p="http://schemas.openxmlformats.org/presentationml/2006/main">
   <p:cSld>
     <p:spTree>
@@ -26975,7 +27125,7 @@
               <a:pPr>
                 <a:defRPr/>
               </a:pPr>
-              <a:t>36</a:t>
+              <a:t>37</a:t>
             </a:fld>
             <a:endParaRPr lang="en-US" dirty="0">
               <a:solidFill>
@@ -26998,14 +27148,14 @@
   <p:timing>
     <p:tnLst>
       <p:par>
-        <p:cTn id="1" dur="indefinite" restart="never" nodeType="tmRoot"/>
+        <p:cTn xmlns:p14="http://schemas.microsoft.com/office/powerpoint/2010/main" id="1" dur="indefinite" restart="never" nodeType="tmRoot"/>
       </p:par>
     </p:tnLst>
   </p:timing>
 </p:sld>
 </file>
 
-<file path=ppt/slides/slide37.xml><?xml version="1.0" encoding="utf-8"?>
+<file path=ppt/slides/slide38.xml><?xml version="1.0" encoding="utf-8"?>
 <p:sld xmlns:a="http://schemas.openxmlformats.org/drawingml/2006/main" xmlns:r="http://schemas.openxmlformats.org/officeDocument/2006/relationships" xmlns:p="http://schemas.openxmlformats.org/presentationml/2006/main">
   <p:cSld>
     <p:spTree>
@@ -27077,7 +27227,7 @@
               <a:pPr>
                 <a:defRPr/>
               </a:pPr>
-              <a:t>37</a:t>
+              <a:t>38</a:t>
             </a:fld>
             <a:endParaRPr lang="en-US" dirty="0">
               <a:solidFill>
@@ -27109,14 +27259,14 @@
           </a:ln>
           <a:effectLst/>
           <a:extLst>
-            <a:ext uri="{909E8E84-426E-40DD-AFC4-6F175D3DCCD1}">
+            <a:ext uri="{909E8E84-426E-40dd-AFC4-6F175D3DCCD1}">
               <a14:hiddenFill xmlns:a14="http://schemas.microsoft.com/office/drawing/2010/main">
                 <a:solidFill>
                   <a:schemeClr val="accent1"/>
                 </a:solidFill>
               </a14:hiddenFill>
             </a:ext>
-            <a:ext uri="{91240B29-F687-4F45-9708-019B960494DF}">
+            <a:ext uri="{91240B29-F687-4f45-9708-019B960494DF}">
               <a14:hiddenLine xmlns:a14="http://schemas.microsoft.com/office/drawing/2010/main" w="9525">
                 <a:solidFill>
                   <a:schemeClr val="tx1"/>
@@ -27126,7 +27276,7 @@
                 <a:tailEnd/>
               </a14:hiddenLine>
             </a:ext>
-            <a:ext uri="{AF507438-7753-43E0-B8FC-AC1667EBCBE1}">
+            <a:ext uri="{AF507438-7753-43e0-B8FC-AC1667EBCBE1}">
               <a14:hiddenEffects xmlns:a14="http://schemas.microsoft.com/office/drawing/2010/main">
                 <a:effectLst>
                   <a:outerShdw dist="35921" dir="2700000" algn="ctr" rotWithShape="0">
@@ -27400,14 +27550,14 @@
             <a:noFill/>
           </a:ln>
           <a:extLst>
-            <a:ext uri="{909E8E84-426E-40DD-AFC4-6F175D3DCCD1}">
+            <a:ext uri="{909E8E84-426E-40dd-AFC4-6F175D3DCCD1}">
               <a14:hiddenFill xmlns:a14="http://schemas.microsoft.com/office/drawing/2010/main">
                 <a:solidFill>
                   <a:srgbClr val="FFFFFF"/>
                 </a:solidFill>
               </a14:hiddenFill>
             </a:ext>
-            <a:ext uri="{91240B29-F687-4F45-9708-019B960494DF}">
+            <a:ext uri="{91240B29-F687-4f45-9708-019B960494DF}">
               <a14:hiddenLine xmlns:a14="http://schemas.microsoft.com/office/drawing/2010/main" w="12700" cap="flat">
                 <a:solidFill>
                   <a:schemeClr val="tx1"/>
@@ -27433,132 +27583,7 @@
   <p:timing>
     <p:tnLst>
       <p:par>
-        <p:cTn id="1" dur="indefinite" restart="never" nodeType="tmRoot"/>
-      </p:par>
-    </p:tnLst>
-  </p:timing>
-</p:sld>
-</file>
-
-<file path=ppt/slides/slide38.xml><?xml version="1.0" encoding="utf-8"?>
-<p:sld xmlns:a="http://schemas.openxmlformats.org/drawingml/2006/main" xmlns:r="http://schemas.openxmlformats.org/officeDocument/2006/relationships" xmlns:p="http://schemas.openxmlformats.org/presentationml/2006/main">
-  <p:cSld>
-    <p:spTree>
-      <p:nvGrpSpPr>
-        <p:cNvPr id="1" name=""/>
-        <p:cNvGrpSpPr/>
-        <p:nvPr/>
-      </p:nvGrpSpPr>
-      <p:grpSpPr>
-        <a:xfrm>
-          <a:off x="0" y="0"/>
-          <a:ext cx="0" cy="0"/>
-          <a:chOff x="0" y="0"/>
-          <a:chExt cx="0" cy="0"/>
-        </a:xfrm>
-      </p:grpSpPr>
-      <p:sp>
-        <p:nvSpPr>
-          <p:cNvPr id="6" name="Title 5"/>
-          <p:cNvSpPr>
-            <a:spLocks noGrp="1"/>
-          </p:cNvSpPr>
-          <p:nvPr>
-            <p:ph type="title"/>
-          </p:nvPr>
-        </p:nvSpPr>
-        <p:spPr>
-          <a:xfrm>
-            <a:off x="457200" y="0"/>
-            <a:ext cx="8229600" cy="646331"/>
-          </a:xfrm>
-        </p:spPr>
-        <p:txBody>
-          <a:bodyPr/>
-          <a:lstStyle/>
-          <a:p>
-            <a:r>
-              <a:rPr lang="en-US" dirty="0"/>
-              <a:t>DevOps Fitness Model</a:t>
-            </a:r>
-          </a:p>
-        </p:txBody>
-      </p:sp>
-      <p:sp>
-        <p:nvSpPr>
-          <p:cNvPr id="5" name="Slide Number Placeholder 4"/>
-          <p:cNvSpPr>
-            <a:spLocks noGrp="1"/>
-          </p:cNvSpPr>
-          <p:nvPr>
-            <p:ph type="sldNum" sz="quarter" idx="10"/>
-          </p:nvPr>
-        </p:nvSpPr>
-        <p:spPr/>
-        <p:txBody>
-          <a:bodyPr/>
-          <a:lstStyle/>
-          <a:p>
-            <a:pPr>
-              <a:defRPr/>
-            </a:pPr>
-            <a:fld id="{814667DD-A432-455A-B321-E79691502DFA}" type="slidenum">
-              <a:rPr lang="en-US" smtClean="0">
-                <a:solidFill>
-                  <a:srgbClr val="FFFFFF"/>
-                </a:solidFill>
-              </a:rPr>
-              <a:pPr>
-                <a:defRPr/>
-              </a:pPr>
-              <a:t>38</a:t>
-            </a:fld>
-            <a:endParaRPr lang="en-US" dirty="0">
-              <a:solidFill>
-                <a:srgbClr val="FFFFFF"/>
-              </a:solidFill>
-            </a:endParaRPr>
-          </a:p>
-        </p:txBody>
-      </p:sp>
-      <p:pic>
-        <p:nvPicPr>
-          <p:cNvPr id="8" name="Picture 7"/>
-          <p:cNvPicPr>
-            <a:picLocks noChangeAspect="1"/>
-          </p:cNvPicPr>
-          <p:nvPr/>
-        </p:nvPicPr>
-        <p:blipFill>
-          <a:blip r:embed="rId3"/>
-          <a:stretch>
-            <a:fillRect/>
-          </a:stretch>
-        </p:blipFill>
-        <p:spPr>
-          <a:xfrm>
-            <a:off x="1105393" y="797510"/>
-            <a:ext cx="7675245" cy="5375910"/>
-          </a:xfrm>
-          <a:prstGeom prst="rect">
-            <a:avLst/>
-          </a:prstGeom>
-        </p:spPr>
-      </p:pic>
-    </p:spTree>
-    <p:extLst>
-      <p:ext uri="{BB962C8B-B14F-4D97-AF65-F5344CB8AC3E}">
-        <p14:creationId xmlns:p14="http://schemas.microsoft.com/office/powerpoint/2010/main" val="3119548519"/>
-      </p:ext>
-    </p:extLst>
-  </p:cSld>
-  <p:clrMapOvr>
-    <a:masterClrMapping/>
-  </p:clrMapOvr>
-  <p:timing>
-    <p:tnLst>
-      <p:par>
-        <p:cTn id="1" dur="indefinite" restart="never" nodeType="tmRoot"/>
+        <p:cTn xmlns:p14="http://schemas.microsoft.com/office/powerpoint/2010/main" id="1" dur="indefinite" restart="never" nodeType="tmRoot"/>
       </p:par>
     </p:tnLst>
   </p:timing>
@@ -27584,7 +27609,7 @@
       </p:grpSpPr>
       <p:sp>
         <p:nvSpPr>
-          <p:cNvPr id="6" name="Title 5"/>
+          <p:cNvPr id="2" name="Title 1"/>
           <p:cNvSpPr>
             <a:spLocks noGrp="1"/>
           </p:cNvSpPr>
@@ -27592,14 +27617,19 @@
             <p:ph type="title"/>
           </p:nvPr>
         </p:nvSpPr>
-        <p:spPr/>
+        <p:spPr>
+          <a:xfrm>
+            <a:off x="457200" y="0"/>
+            <a:ext cx="8229600" cy="646331"/>
+          </a:xfrm>
+        </p:spPr>
         <p:txBody>
           <a:bodyPr/>
           <a:lstStyle/>
           <a:p>
             <a:r>
               <a:rPr lang="en-US" dirty="0" smtClean="0"/>
-              <a:t>CI/CD Summary</a:t>
+              <a:t>DevOps Myths</a:t>
             </a:r>
             <a:endParaRPr lang="en-US" dirty="0"/>
           </a:p>
@@ -27607,7 +27637,7 @@
       </p:sp>
       <p:sp>
         <p:nvSpPr>
-          <p:cNvPr id="7" name="Content Placeholder 6"/>
+          <p:cNvPr id="3" name="Content Placeholder 2"/>
           <p:cNvSpPr>
             <a:spLocks noGrp="1"/>
           </p:cNvSpPr>
@@ -27621,56 +27651,45 @@
           <a:lstStyle/>
           <a:p>
             <a:r>
-              <a:rPr lang="en-US" dirty="0" smtClean="0"/>
-              <a:t>Use version control</a:t>
-            </a:r>
-          </a:p>
-          <a:p>
-            <a:r>
-              <a:rPr lang="en-US" dirty="0" smtClean="0"/>
-              <a:t>Automate testing as part of the build</a:t>
-            </a:r>
-          </a:p>
-          <a:p>
-            <a:r>
-              <a:rPr lang="en-US" dirty="0" smtClean="0"/>
-              <a:t>Automate deployment to staging, test or production</a:t>
-            </a:r>
-          </a:p>
-          <a:p>
-            <a:r>
-              <a:rPr lang="en-US" dirty="0" smtClean="0"/>
-              <a:t>Automate rollback</a:t>
-            </a:r>
-          </a:p>
-          <a:p>
-            <a:r>
-              <a:rPr lang="en-US" dirty="0" smtClean="0"/>
-              <a:t>Deploy continuously to production</a:t>
-            </a:r>
-          </a:p>
-          <a:p>
-            <a:r>
-              <a:rPr lang="en-US" dirty="0" smtClean="0"/>
-              <a:t>Incremental new features initially enabled for small set of users, then turned on for a wider audience</a:t>
-            </a:r>
-          </a:p>
-          <a:p>
-            <a:r>
-              <a:rPr lang="en-US" dirty="0" smtClean="0"/>
-              <a:t>Let us help you with your CI/CD implementation!</a:t>
-            </a:r>
-          </a:p>
-          <a:p>
-            <a:endParaRPr lang="en-US" dirty="0" smtClean="0"/>
-          </a:p>
-          <a:p>
-            <a:pPr lvl="1"/>
-            <a:endParaRPr lang="en-US" dirty="0" smtClean="0"/>
-          </a:p>
-          <a:p>
-            <a:pPr lvl="1"/>
-            <a:endParaRPr lang="en-US" dirty="0" smtClean="0"/>
+              <a:rPr lang="en-US" b="1" dirty="0"/>
+              <a:t>DevOps replaces Agile</a:t>
+            </a:r>
+            <a:endParaRPr lang="en-US" dirty="0"/>
+          </a:p>
+          <a:p>
+            <a:r>
+              <a:rPr lang="en-US" b="1" dirty="0"/>
+              <a:t>DevOps replaces ITIL</a:t>
+            </a:r>
+          </a:p>
+          <a:p>
+            <a:r>
+              <a:rPr lang="en-US" b="1" dirty="0"/>
+              <a:t>DevOps means </a:t>
+            </a:r>
+            <a:r>
+              <a:rPr lang="en-US" b="1" dirty="0" err="1"/>
+              <a:t>NoOps</a:t>
+            </a:r>
+            <a:endParaRPr lang="en-US" b="1" dirty="0"/>
+          </a:p>
+          <a:p>
+            <a:r>
+              <a:rPr lang="en-US" b="1" dirty="0"/>
+              <a:t>DevOps is only for open source software</a:t>
+            </a:r>
+          </a:p>
+          <a:p>
+            <a:r>
+              <a:rPr lang="en-US" b="1" dirty="0"/>
+              <a:t>DevOps is just “infrastructure as code” or automation</a:t>
+            </a:r>
+          </a:p>
+          <a:p>
+            <a:r>
+              <a:rPr lang="en-US" b="1" dirty="0"/>
+              <a:t>DevOps is only for startups and unicorns</a:t>
+            </a:r>
           </a:p>
           <a:p>
             <a:endParaRPr lang="en-US" dirty="0"/>
@@ -27679,7 +27698,7 @@
       </p:sp>
       <p:sp>
         <p:nvSpPr>
-          <p:cNvPr id="5" name="Slide Number Placeholder 4"/>
+          <p:cNvPr id="4" name="Slide Number Placeholder 3"/>
           <p:cNvSpPr>
             <a:spLocks noGrp="1"/>
           </p:cNvSpPr>
@@ -27692,32 +27711,38 @@
           <a:bodyPr/>
           <a:lstStyle/>
           <a:p>
-            <a:fld id="{814667DD-A432-455A-B321-E79691502DFA}" type="slidenum">
-              <a:rPr lang="en-US" smtClean="0"/>
-              <a:pPr/>
+            <a:pPr>
+              <a:defRPr/>
+            </a:pPr>
+            <a:fld id="{2D118A52-EDC5-42B9-AEFF-70EBA4319419}" type="slidenum">
+              <a:rPr lang="en-US" smtClean="0">
+                <a:solidFill>
+                  <a:srgbClr val="FFFFFF"/>
+                </a:solidFill>
+              </a:rPr>
+              <a:pPr>
+                <a:defRPr/>
+              </a:pPr>
               <a:t>39</a:t>
             </a:fld>
-            <a:endParaRPr lang="en-US" dirty="0"/>
+            <a:endParaRPr lang="en-US" dirty="0">
+              <a:solidFill>
+                <a:srgbClr val="FFFFFF"/>
+              </a:solidFill>
+            </a:endParaRPr>
           </a:p>
         </p:txBody>
       </p:sp>
     </p:spTree>
     <p:extLst>
       <p:ext uri="{BB962C8B-B14F-4D97-AF65-F5344CB8AC3E}">
-        <p14:creationId xmlns:p14="http://schemas.microsoft.com/office/powerpoint/2010/main" val="2791572616"/>
+        <p14:creationId xmlns:p14="http://schemas.microsoft.com/office/powerpoint/2010/main" val="3572193902"/>
       </p:ext>
     </p:extLst>
   </p:cSld>
   <p:clrMapOvr>
     <a:masterClrMapping/>
   </p:clrMapOvr>
-  <p:timing>
-    <p:tnLst>
-      <p:par>
-        <p:cTn id="1" dur="indefinite" restart="never" nodeType="tmRoot"/>
-      </p:par>
-    </p:tnLst>
-  </p:timing>
 </p:sld>
 </file>
 
@@ -27771,14 +27796,14 @@
           </a:ln>
           <a:effectLst/>
           <a:extLst>
-            <a:ext uri="{909E8E84-426E-40DD-AFC4-6F175D3DCCD1}">
+            <a:ext uri="{909E8E84-426E-40dd-AFC4-6F175D3DCCD1}">
               <a14:hiddenFill xmlns:a14="http://schemas.microsoft.com/office/drawing/2010/main">
                 <a:solidFill>
                   <a:schemeClr val="accent1"/>
                 </a:solidFill>
               </a14:hiddenFill>
             </a:ext>
-            <a:ext uri="{91240B29-F687-4F45-9708-019B960494DF}">
+            <a:ext uri="{91240B29-F687-4f45-9708-019B960494DF}">
               <a14:hiddenLine xmlns:a14="http://schemas.microsoft.com/office/drawing/2010/main" w="9525">
                 <a:solidFill>
                   <a:schemeClr val="tx1"/>
@@ -27788,7 +27813,7 @@
                 <a:tailEnd/>
               </a14:hiddenLine>
             </a:ext>
-            <a:ext uri="{AF507438-7753-43E0-B8FC-AC1667EBCBE1}">
+            <a:ext uri="{AF507438-7753-43e0-B8FC-AC1667EBCBE1}">
               <a14:hiddenEffects xmlns:a14="http://schemas.microsoft.com/office/drawing/2010/main">
                 <a:effectLst>
                   <a:outerShdw dist="35921" dir="2700000" algn="ctr" rotWithShape="0">
@@ -27954,7 +27979,7 @@
   <p:timing>
     <p:tnLst>
       <p:par>
-        <p:cTn id="1" dur="indefinite" restart="never" nodeType="tmRoot"/>
+        <p:cTn xmlns:p14="http://schemas.microsoft.com/office/powerpoint/2010/main" id="1" dur="indefinite" restart="never" nodeType="tmRoot"/>
       </p:par>
     </p:tnLst>
   </p:timing>
@@ -27962,6 +27987,247 @@
 </file>
 
 <file path=ppt/slides/slide40.xml><?xml version="1.0" encoding="utf-8"?>
+<p:sld xmlns:a="http://schemas.openxmlformats.org/drawingml/2006/main" xmlns:r="http://schemas.openxmlformats.org/officeDocument/2006/relationships" xmlns:p="http://schemas.openxmlformats.org/presentationml/2006/main">
+  <p:cSld>
+    <p:spTree>
+      <p:nvGrpSpPr>
+        <p:cNvPr id="1" name=""/>
+        <p:cNvGrpSpPr/>
+        <p:nvPr/>
+      </p:nvGrpSpPr>
+      <p:grpSpPr>
+        <a:xfrm>
+          <a:off x="0" y="0"/>
+          <a:ext cx="0" cy="0"/>
+          <a:chOff x="0" y="0"/>
+          <a:chExt cx="0" cy="0"/>
+        </a:xfrm>
+      </p:grpSpPr>
+      <p:sp>
+        <p:nvSpPr>
+          <p:cNvPr id="2" name="Title 1"/>
+          <p:cNvSpPr>
+            <a:spLocks noGrp="1"/>
+          </p:cNvSpPr>
+          <p:nvPr>
+            <p:ph type="title"/>
+          </p:nvPr>
+        </p:nvSpPr>
+        <p:spPr/>
+        <p:txBody>
+          <a:bodyPr/>
+          <a:lstStyle/>
+          <a:p>
+            <a:endParaRPr lang="en-US"/>
+          </a:p>
+        </p:txBody>
+      </p:sp>
+      <p:sp>
+        <p:nvSpPr>
+          <p:cNvPr id="3" name="Content Placeholder 2"/>
+          <p:cNvSpPr>
+            <a:spLocks noGrp="1"/>
+          </p:cNvSpPr>
+          <p:nvPr>
+            <p:ph idx="1"/>
+          </p:nvPr>
+        </p:nvSpPr>
+        <p:spPr/>
+        <p:txBody>
+          <a:bodyPr/>
+          <a:lstStyle/>
+          <a:p>
+            <a:r>
+              <a:rPr lang="en-US" dirty="0"/>
+              <a:t>"Simply put, all unicorns were once horses. DevOps is how any horse can become a unicorn, if they want to become one. And in fact, the list of enterprises adopting DevOps continues to grow." </a:t>
+            </a:r>
+            <a:r>
+              <a:rPr lang="en-US" b="1" dirty="0"/>
+              <a:t>Gene Kim</a:t>
+            </a:r>
+            <a:endParaRPr lang="en-US" dirty="0"/>
+          </a:p>
+          <a:p>
+            <a:endParaRPr lang="en-US" dirty="0"/>
+          </a:p>
+        </p:txBody>
+      </p:sp>
+      <p:sp>
+        <p:nvSpPr>
+          <p:cNvPr id="4" name="Slide Number Placeholder 3"/>
+          <p:cNvSpPr>
+            <a:spLocks noGrp="1"/>
+          </p:cNvSpPr>
+          <p:nvPr>
+            <p:ph type="sldNum" sz="quarter" idx="10"/>
+          </p:nvPr>
+        </p:nvSpPr>
+        <p:spPr/>
+        <p:txBody>
+          <a:bodyPr/>
+          <a:lstStyle/>
+          <a:p>
+            <a:pPr>
+              <a:defRPr/>
+            </a:pPr>
+            <a:fld id="{2D118A52-EDC5-42B9-AEFF-70EBA4319419}" type="slidenum">
+              <a:rPr lang="en-US" smtClean="0">
+                <a:solidFill>
+                  <a:srgbClr val="FFFFFF"/>
+                </a:solidFill>
+              </a:rPr>
+              <a:pPr>
+                <a:defRPr/>
+              </a:pPr>
+              <a:t>40</a:t>
+            </a:fld>
+            <a:endParaRPr lang="en-US" dirty="0">
+              <a:solidFill>
+                <a:srgbClr val="FFFFFF"/>
+              </a:solidFill>
+            </a:endParaRPr>
+          </a:p>
+        </p:txBody>
+      </p:sp>
+    </p:spTree>
+    <p:extLst>
+      <p:ext uri="{BB962C8B-B14F-4D97-AF65-F5344CB8AC3E}">
+        <p14:creationId xmlns:p14="http://schemas.microsoft.com/office/powerpoint/2010/main" val="2154267093"/>
+      </p:ext>
+    </p:extLst>
+  </p:cSld>
+  <p:clrMapOvr>
+    <a:masterClrMapping/>
+  </p:clrMapOvr>
+</p:sld>
+</file>
+
+<file path=ppt/slides/slide41.xml><?xml version="1.0" encoding="utf-8"?>
+<p:sld xmlns:a="http://schemas.openxmlformats.org/drawingml/2006/main" xmlns:r="http://schemas.openxmlformats.org/officeDocument/2006/relationships" xmlns:p="http://schemas.openxmlformats.org/presentationml/2006/main">
+  <p:cSld>
+    <p:spTree>
+      <p:nvGrpSpPr>
+        <p:cNvPr id="1" name=""/>
+        <p:cNvGrpSpPr/>
+        <p:nvPr/>
+      </p:nvGrpSpPr>
+      <p:grpSpPr>
+        <a:xfrm>
+          <a:off x="0" y="0"/>
+          <a:ext cx="0" cy="0"/>
+          <a:chOff x="0" y="0"/>
+          <a:chExt cx="0" cy="0"/>
+        </a:xfrm>
+      </p:grpSpPr>
+      <p:sp>
+        <p:nvSpPr>
+          <p:cNvPr id="6" name="Title 5"/>
+          <p:cNvSpPr>
+            <a:spLocks noGrp="1"/>
+          </p:cNvSpPr>
+          <p:nvPr>
+            <p:ph type="title"/>
+          </p:nvPr>
+        </p:nvSpPr>
+        <p:spPr>
+          <a:xfrm>
+            <a:off x="457200" y="0"/>
+            <a:ext cx="8229600" cy="646331"/>
+          </a:xfrm>
+        </p:spPr>
+        <p:txBody>
+          <a:bodyPr/>
+          <a:lstStyle/>
+          <a:p>
+            <a:r>
+              <a:rPr lang="en-US" dirty="0"/>
+              <a:t>DevOps Fitness Model</a:t>
+            </a:r>
+          </a:p>
+        </p:txBody>
+      </p:sp>
+      <p:sp>
+        <p:nvSpPr>
+          <p:cNvPr id="5" name="Slide Number Placeholder 4"/>
+          <p:cNvSpPr>
+            <a:spLocks noGrp="1"/>
+          </p:cNvSpPr>
+          <p:nvPr>
+            <p:ph type="sldNum" sz="quarter" idx="10"/>
+          </p:nvPr>
+        </p:nvSpPr>
+        <p:spPr/>
+        <p:txBody>
+          <a:bodyPr/>
+          <a:lstStyle/>
+          <a:p>
+            <a:pPr>
+              <a:defRPr/>
+            </a:pPr>
+            <a:fld id="{814667DD-A432-455A-B321-E79691502DFA}" type="slidenum">
+              <a:rPr lang="en-US" smtClean="0">
+                <a:solidFill>
+                  <a:srgbClr val="FFFFFF"/>
+                </a:solidFill>
+              </a:rPr>
+              <a:pPr>
+                <a:defRPr/>
+              </a:pPr>
+              <a:t>41</a:t>
+            </a:fld>
+            <a:endParaRPr lang="en-US" dirty="0">
+              <a:solidFill>
+                <a:srgbClr val="FFFFFF"/>
+              </a:solidFill>
+            </a:endParaRPr>
+          </a:p>
+        </p:txBody>
+      </p:sp>
+      <p:pic>
+        <p:nvPicPr>
+          <p:cNvPr id="8" name="Picture 7"/>
+          <p:cNvPicPr>
+            <a:picLocks noChangeAspect="1"/>
+          </p:cNvPicPr>
+          <p:nvPr/>
+        </p:nvPicPr>
+        <p:blipFill>
+          <a:blip r:embed="rId3"/>
+          <a:stretch>
+            <a:fillRect/>
+          </a:stretch>
+        </p:blipFill>
+        <p:spPr>
+          <a:xfrm>
+            <a:off x="1105393" y="797510"/>
+            <a:ext cx="7675245" cy="5375910"/>
+          </a:xfrm>
+          <a:prstGeom prst="rect">
+            <a:avLst/>
+          </a:prstGeom>
+        </p:spPr>
+      </p:pic>
+    </p:spTree>
+    <p:extLst>
+      <p:ext uri="{BB962C8B-B14F-4D97-AF65-F5344CB8AC3E}">
+        <p14:creationId xmlns:p14="http://schemas.microsoft.com/office/powerpoint/2010/main" val="3119548519"/>
+      </p:ext>
+    </p:extLst>
+  </p:cSld>
+  <p:clrMapOvr>
+    <a:masterClrMapping/>
+  </p:clrMapOvr>
+  <p:timing>
+    <p:tnLst>
+      <p:par>
+        <p:cTn xmlns:p14="http://schemas.microsoft.com/office/powerpoint/2010/main" id="1" dur="indefinite" restart="never" nodeType="tmRoot"/>
+      </p:par>
+    </p:tnLst>
+  </p:timing>
+</p:sld>
+</file>
+
+<file path=ppt/slides/slide42.xml><?xml version="1.0" encoding="utf-8"?>
 <p:sld xmlns:a="http://schemas.openxmlformats.org/drawingml/2006/main" xmlns:r="http://schemas.openxmlformats.org/officeDocument/2006/relationships" xmlns:p="http://schemas.openxmlformats.org/presentationml/2006/main">
   <p:cSld>
     <p:spTree>
@@ -28033,7 +28299,7 @@
               <a:pPr>
                 <a:defRPr/>
               </a:pPr>
-              <a:t>40</a:t>
+              <a:t>42</a:t>
             </a:fld>
             <a:endParaRPr lang="en-US" dirty="0">
               <a:solidFill>
@@ -28074,7 +28340,7 @@
           </a:prstGeom>
           <a:noFill/>
           <a:extLst>
-            <a:ext uri="{909E8E84-426E-40DD-AFC4-6F175D3DCCD1}">
+            <a:ext uri="{909E8E84-426E-40dd-AFC4-6F175D3DCCD1}">
               <a14:hiddenFill xmlns:a14="http://schemas.microsoft.com/office/drawing/2010/main">
                 <a:solidFill>
                   <a:srgbClr val="FFFFFF"/>
@@ -28097,14 +28363,14 @@
   <p:timing>
     <p:tnLst>
       <p:par>
-        <p:cTn id="1" dur="indefinite" restart="never" nodeType="tmRoot"/>
+        <p:cTn xmlns:p14="http://schemas.microsoft.com/office/powerpoint/2010/main" id="1" dur="indefinite" restart="never" nodeType="tmRoot"/>
       </p:par>
     </p:tnLst>
   </p:timing>
 </p:sld>
 </file>
 
-<file path=ppt/slides/slide41.xml><?xml version="1.0" encoding="utf-8"?>
+<file path=ppt/slides/slide43.xml><?xml version="1.0" encoding="utf-8"?>
 <p:sld xmlns:a="http://schemas.openxmlformats.org/drawingml/2006/main" xmlns:r="http://schemas.openxmlformats.org/officeDocument/2006/relationships" xmlns:p="http://schemas.openxmlformats.org/presentationml/2006/main">
   <p:cSld>
     <p:spTree>
@@ -28284,7 +28550,7 @@
             <a:fld id="{2D118A52-EDC5-42B9-AEFF-70EBA4319419}" type="slidenum">
               <a:rPr lang="en-US" smtClean="0"/>
               <a:pPr/>
-              <a:t>41</a:t>
+              <a:t>43</a:t>
             </a:fld>
             <a:endParaRPr lang="en-US" dirty="0"/>
           </a:p>
@@ -28303,7 +28569,7 @@
   <p:timing>
     <p:tnLst>
       <p:par>
-        <p:cTn id="1" dur="indefinite" restart="never" nodeType="tmRoot"/>
+        <p:cTn xmlns:p14="http://schemas.microsoft.com/office/powerpoint/2010/main" id="1" dur="indefinite" restart="never" nodeType="tmRoot"/>
       </p:par>
     </p:tnLst>
   </p:timing>
@@ -28465,7 +28731,7 @@
   <p:timing>
     <p:tnLst>
       <p:par>
-        <p:cTn id="1" dur="indefinite" restart="never" nodeType="tmRoot"/>
+        <p:cTn xmlns:p14="http://schemas.microsoft.com/office/powerpoint/2010/main" id="1" dur="indefinite" restart="never" nodeType="tmRoot"/>
       </p:par>
     </p:tnLst>
   </p:timing>
@@ -28669,7 +28935,7 @@
   <p:timing>
     <p:tnLst>
       <p:par>
-        <p:cTn id="1" dur="indefinite" restart="never" nodeType="tmRoot"/>
+        <p:cTn xmlns:p14="http://schemas.microsoft.com/office/powerpoint/2010/main" id="1" dur="indefinite" restart="never" nodeType="tmRoot"/>
       </p:par>
     </p:tnLst>
   </p:timing>
@@ -28982,7 +29248,7 @@
   <p:timing>
     <p:tnLst>
       <p:par>
-        <p:cTn id="1" dur="indefinite" restart="never" nodeType="tmRoot"/>
+        <p:cTn xmlns:p14="http://schemas.microsoft.com/office/powerpoint/2010/main" id="1" dur="indefinite" restart="never" nodeType="tmRoot"/>
       </p:par>
     </p:tnLst>
   </p:timing>
@@ -29142,7 +29408,7 @@
   <p:timing>
     <p:tnLst>
       <p:par>
-        <p:cTn id="1" dur="indefinite" restart="never" nodeType="tmRoot"/>
+        <p:cTn xmlns:p14="http://schemas.microsoft.com/office/powerpoint/2010/main" id="1" dur="indefinite" restart="never" nodeType="tmRoot"/>
       </p:par>
     </p:tnLst>
   </p:timing>
@@ -29871,7 +30137,7 @@
   <p:timing>
     <p:tnLst>
       <p:par>
-        <p:cTn id="1" dur="indefinite" restart="never" nodeType="tmRoot"/>
+        <p:cTn xmlns:p14="http://schemas.microsoft.com/office/powerpoint/2010/main" id="1" dur="indefinite" restart="never" nodeType="tmRoot"/>
       </p:par>
     </p:tnLst>
   </p:timing>
@@ -31569,7 +31835,7 @@
   <a:extraClrSchemeLst/>
   <a:extLst>
     <a:ext uri="{05A4C25C-085E-4340-85A3-A5531E510DB2}">
-      <thm15:themeFamily xmlns:thm15="http://schemas.microsoft.com/office/thememl/2012/main" xmlns="" name="Office Theme" id="{62F939B6-93AF-4DB8-9C6B-D6C7DFDC589F}" vid="{4A3C46E8-61CC-4603-A589-7422A47A8E4A}"/>
+      <thm15:themeFamily xmlns="" xmlns:thm15="http://schemas.microsoft.com/office/thememl/2012/main" name="Office Theme" id="{62F939B6-93AF-4DB8-9C6B-D6C7DFDC589F}" vid="{4A3C46E8-61CC-4603-A589-7422A47A8E4A}"/>
     </a:ext>
   </a:extLst>
 </a:theme>
